--- a/PPT FINAL.pptx
+++ b/PPT FINAL.pptx
@@ -5,7 +5,7 @@
     <p:sldMasterId id="2147483660" r:id="rId1"/>
   </p:sldMasterIdLst>
   <p:notesMasterIdLst>
-    <p:notesMasterId r:id="rId17"/>
+    <p:notesMasterId r:id="rId19"/>
   </p:notesMasterIdLst>
   <p:sldIdLst>
     <p:sldId id="269" r:id="rId2"/>
@@ -23,6 +23,8 @@
     <p:sldId id="258" r:id="rId14"/>
     <p:sldId id="271" r:id="rId15"/>
     <p:sldId id="272" r:id="rId16"/>
+    <p:sldId id="273" r:id="rId17"/>
+    <p:sldId id="274" r:id="rId18"/>
   </p:sldIdLst>
   <p:sldSz cx="9144000" cy="6858000" type="screen4x3"/>
   <p:notesSz cx="6858000" cy="9144000"/>
@@ -123,7 +125,7 @@
   </p:defaultTextStyle>
   <p:extLst>
     <p:ext uri="{EFAFB233-063F-42B5-8137-9DF3F51BA10A}">
-      <p15:sldGuideLst xmlns:p15="http://schemas.microsoft.com/office/powerpoint/2012/main">
+      <p15:sldGuideLst xmlns:p15="http://schemas.microsoft.com/office/powerpoint/2012/main" xmlns="">
         <p15:guide id="1" orient="horz" pos="2160">
           <p15:clr>
             <a:srgbClr val="A4A3A4"/>
@@ -7424,11 +7426,6 @@
               </a:rPr>
               <a:t>-Ver tráfico</a:t>
             </a:r>
-            <a:endParaRPr lang="es-ES" b="1" dirty="0" smtClean="0">
-              <a:solidFill>
-                <a:schemeClr val="tx1"/>
-              </a:solidFill>
-            </a:endParaRPr>
           </a:p>
           <a:p>
             <a:pPr>
@@ -7444,11 +7441,6 @@
               </a:rPr>
               <a:t>-Ver transporte</a:t>
             </a:r>
-            <a:endParaRPr lang="es-ES" b="1" dirty="0" smtClean="0">
-              <a:solidFill>
-                <a:schemeClr val="tx1"/>
-              </a:solidFill>
-            </a:endParaRPr>
           </a:p>
           <a:p>
             <a:pPr>
@@ -7464,11 +7456,6 @@
               </a:rPr>
               <a:t>-Generar mapas propios</a:t>
             </a:r>
-            <a:endParaRPr lang="es-ES" b="1" dirty="0" smtClean="0">
-              <a:solidFill>
-                <a:schemeClr val="tx1"/>
-              </a:solidFill>
-            </a:endParaRPr>
           </a:p>
           <a:p>
             <a:pPr>
@@ -7484,11 +7471,6 @@
               </a:rPr>
               <a:t>-Compartir mapas</a:t>
             </a:r>
-            <a:endParaRPr lang="es-ES" b="1" dirty="0" smtClean="0">
-              <a:solidFill>
-                <a:schemeClr val="tx1"/>
-              </a:solidFill>
-            </a:endParaRPr>
           </a:p>
           <a:p>
             <a:pPr>
@@ -7605,9 +7587,8 @@
             </a:r>
             <a:r>
               <a:rPr lang="es-ES" sz="2000" b="1" dirty="0" smtClean="0"/>
-              <a:t>Si</a:t>
-            </a:r>
-            <a:endParaRPr lang="es-ES" sz="2000" b="1" dirty="0" smtClean="0"/>
+              <a:t>No</a:t>
+            </a:r>
           </a:p>
           <a:p>
             <a:pPr>
@@ -7621,13 +7602,8 @@
             </a:r>
             <a:r>
               <a:rPr lang="es-ES" sz="2000" b="1" dirty="0" smtClean="0"/>
-              <a:t>			</a:t>
-            </a:r>
-            <a:r>
-              <a:rPr lang="es-ES" sz="2000" b="1" dirty="0" smtClean="0"/>
-              <a:t>Si</a:t>
-            </a:r>
-            <a:endParaRPr lang="es-ES" sz="2000" b="1" dirty="0" smtClean="0"/>
+              <a:t>			Si</a:t>
+            </a:r>
           </a:p>
           <a:p>
             <a:pPr>
@@ -7648,13 +7624,8 @@
             </a:pPr>
             <a:r>
               <a:rPr lang="es-ES" sz="2000" b="1" dirty="0" smtClean="0"/>
-              <a:t>Si			</a:t>
-            </a:r>
-            <a:r>
-              <a:rPr lang="es-ES" sz="2000" b="1" dirty="0" smtClean="0"/>
-              <a:t>Si</a:t>
-            </a:r>
-            <a:endParaRPr lang="es-ES" sz="2000" b="1" dirty="0" smtClean="0"/>
+              <a:t>Si			Si</a:t>
+            </a:r>
           </a:p>
           <a:p>
             <a:pPr>
@@ -7664,15 +7635,7 @@
             </a:pPr>
             <a:r>
               <a:rPr lang="es-ES" sz="2000" b="1" dirty="0" smtClean="0"/>
-              <a:t>6</a:t>
-            </a:r>
-            <a:r>
-              <a:rPr lang="es-ES" sz="2000" b="1" dirty="0" smtClean="0"/>
-              <a:t>			</a:t>
-            </a:r>
-            <a:r>
-              <a:rPr lang="es-ES" sz="2000" b="1" dirty="0" smtClean="0"/>
-              <a:t>3*2</a:t>
+              <a:t>6			3*2</a:t>
             </a:r>
             <a:endParaRPr lang="es-ES" sz="2000" b="1" dirty="0"/>
           </a:p>
@@ -8910,6 +8873,259 @@
 </p:sld>
 </file>
 
+<file path=ppt/slides/slide16.xml><?xml version="1.0" encoding="utf-8"?>
+<p:sld xmlns:a="http://schemas.openxmlformats.org/drawingml/2006/main" xmlns:r="http://schemas.openxmlformats.org/officeDocument/2006/relationships" xmlns:p="http://schemas.openxmlformats.org/presentationml/2006/main">
+  <p:cSld>
+    <p:spTree>
+      <p:nvGrpSpPr>
+        <p:cNvPr id="1" name=""/>
+        <p:cNvGrpSpPr/>
+        <p:nvPr/>
+      </p:nvGrpSpPr>
+      <p:grpSpPr>
+        <a:xfrm>
+          <a:off x="0" y="0"/>
+          <a:ext cx="0" cy="0"/>
+          <a:chOff x="0" y="0"/>
+          <a:chExt cx="0" cy="0"/>
+        </a:xfrm>
+      </p:grpSpPr>
+      <p:sp>
+        <p:nvSpPr>
+          <p:cNvPr id="2" name="1 Título"/>
+          <p:cNvSpPr>
+            <a:spLocks noGrp="1"/>
+          </p:cNvSpPr>
+          <p:nvPr>
+            <p:ph type="title"/>
+          </p:nvPr>
+        </p:nvSpPr>
+        <p:spPr/>
+        <p:txBody>
+          <a:bodyPr/>
+          <a:lstStyle/>
+          <a:p>
+            <a:r>
+              <a:rPr lang="es-ES" dirty="0" smtClean="0"/>
+              <a:t>Encuestas</a:t>
+            </a:r>
+            <a:endParaRPr lang="es-ES" dirty="0"/>
+          </a:p>
+        </p:txBody>
+      </p:sp>
+      <p:sp>
+        <p:nvSpPr>
+          <p:cNvPr id="3" name="2 Marcador de contenido"/>
+          <p:cNvSpPr>
+            <a:spLocks noGrp="1"/>
+          </p:cNvSpPr>
+          <p:nvPr>
+            <p:ph idx="1"/>
+          </p:nvPr>
+        </p:nvSpPr>
+        <p:spPr>
+          <a:xfrm>
+            <a:off x="827584" y="1916832"/>
+            <a:ext cx="6711654" cy="4195481"/>
+          </a:xfrm>
+        </p:spPr>
+        <p:txBody>
+          <a:bodyPr/>
+          <a:lstStyle/>
+          <a:p>
+            <a:r>
+              <a:rPr lang="es-ES" dirty="0" smtClean="0"/>
+              <a:t>50 personas</a:t>
+            </a:r>
+          </a:p>
+          <a:p>
+            <a:r>
+              <a:rPr lang="es-ES" dirty="0" smtClean="0"/>
+              <a:t>3 preguntas</a:t>
+            </a:r>
+          </a:p>
+          <a:p>
+            <a:r>
+              <a:rPr lang="es-ES" dirty="0" smtClean="0"/>
+              <a:t>Edificio politécnico 30 personas facultad medicina 20.</a:t>
+            </a:r>
+          </a:p>
+          <a:p>
+            <a:endParaRPr lang="es-ES" dirty="0"/>
+          </a:p>
+        </p:txBody>
+      </p:sp>
+      <p:pic>
+        <p:nvPicPr>
+          <p:cNvPr id="1027" name="Picture 3"/>
+          <p:cNvPicPr>
+            <a:picLocks noChangeAspect="1" noChangeArrowheads="1"/>
+          </p:cNvPicPr>
+          <p:nvPr/>
+        </p:nvPicPr>
+        <p:blipFill>
+          <a:blip r:embed="rId2">
+            <a:extLst>
+              <a:ext uri="{28A0092B-C50C-407E-A947-70E740481C1C}">
+                <a14:useLocalDpi xmlns:a14="http://schemas.microsoft.com/office/drawing/2010/main" val="0"/>
+              </a:ext>
+            </a:extLst>
+          </a:blip>
+          <a:srcRect/>
+          <a:stretch>
+            <a:fillRect/>
+          </a:stretch>
+        </p:blipFill>
+        <p:spPr bwMode="auto">
+          <a:xfrm>
+            <a:off x="1043608" y="3573016"/>
+            <a:ext cx="7115175" cy="2762250"/>
+          </a:xfrm>
+          <a:prstGeom prst="rect">
+            <a:avLst/>
+          </a:prstGeom>
+          <a:noFill/>
+          <a:ln>
+            <a:noFill/>
+          </a:ln>
+          <a:effectLst/>
+          <a:extLst>
+            <a:ext uri="{909E8E84-426E-40DD-AFC4-6F175D3DCCD1}">
+              <a14:hiddenFill xmlns:a14="http://schemas.microsoft.com/office/drawing/2010/main">
+                <a:solidFill>
+                  <a:schemeClr val="accent1"/>
+                </a:solidFill>
+              </a14:hiddenFill>
+            </a:ext>
+            <a:ext uri="{91240B29-F687-4F45-9708-019B960494DF}">
+              <a14:hiddenLine xmlns:a14="http://schemas.microsoft.com/office/drawing/2010/main" w="9525">
+                <a:solidFill>
+                  <a:schemeClr val="tx1"/>
+                </a:solidFill>
+                <a:miter lim="800000"/>
+                <a:headEnd/>
+                <a:tailEnd/>
+              </a14:hiddenLine>
+            </a:ext>
+            <a:ext uri="{AF507438-7753-43E0-B8FC-AC1667EBCBE1}">
+              <a14:hiddenEffects xmlns:a14="http://schemas.microsoft.com/office/drawing/2010/main">
+                <a:effectLst>
+                  <a:outerShdw dist="35921" dir="2700000" algn="ctr" rotWithShape="0">
+                    <a:schemeClr val="bg2"/>
+                  </a:outerShdw>
+                </a:effectLst>
+              </a14:hiddenEffects>
+            </a:ext>
+          </a:extLst>
+        </p:spPr>
+      </p:pic>
+    </p:spTree>
+    <p:extLst>
+      <p:ext uri="{BB962C8B-B14F-4D97-AF65-F5344CB8AC3E}">
+        <p14:creationId xmlns:p14="http://schemas.microsoft.com/office/powerpoint/2010/main" val="2261027797"/>
+      </p:ext>
+    </p:extLst>
+  </p:cSld>
+  <p:clrMapOvr>
+    <a:masterClrMapping/>
+  </p:clrMapOvr>
+</p:sld>
+</file>
+
+<file path=ppt/slides/slide17.xml><?xml version="1.0" encoding="utf-8"?>
+<p:sld xmlns:a="http://schemas.openxmlformats.org/drawingml/2006/main" xmlns:r="http://schemas.openxmlformats.org/officeDocument/2006/relationships" xmlns:p="http://schemas.openxmlformats.org/presentationml/2006/main">
+  <p:cSld>
+    <p:spTree>
+      <p:nvGrpSpPr>
+        <p:cNvPr id="1" name=""/>
+        <p:cNvGrpSpPr/>
+        <p:nvPr/>
+      </p:nvGrpSpPr>
+      <p:grpSpPr>
+        <a:xfrm>
+          <a:off x="0" y="0"/>
+          <a:ext cx="0" cy="0"/>
+          <a:chOff x="0" y="0"/>
+          <a:chExt cx="0" cy="0"/>
+        </a:xfrm>
+      </p:grpSpPr>
+      <p:sp>
+        <p:nvSpPr>
+          <p:cNvPr id="2" name="1 Título"/>
+          <p:cNvSpPr>
+            <a:spLocks noGrp="1"/>
+          </p:cNvSpPr>
+          <p:nvPr>
+            <p:ph type="title"/>
+          </p:nvPr>
+        </p:nvSpPr>
+        <p:spPr/>
+        <p:txBody>
+          <a:bodyPr/>
+          <a:lstStyle/>
+          <a:p>
+            <a:r>
+              <a:rPr lang="es-ES" dirty="0" smtClean="0"/>
+              <a:t>Conclusiones</a:t>
+            </a:r>
+            <a:endParaRPr lang="es-ES" dirty="0"/>
+          </a:p>
+        </p:txBody>
+      </p:sp>
+      <p:sp>
+        <p:nvSpPr>
+          <p:cNvPr id="3" name="2 Marcador de contenido"/>
+          <p:cNvSpPr>
+            <a:spLocks noGrp="1"/>
+          </p:cNvSpPr>
+          <p:nvPr>
+            <p:ph idx="1"/>
+          </p:nvPr>
+        </p:nvSpPr>
+        <p:spPr>
+          <a:xfrm>
+            <a:off x="827584" y="1628800"/>
+            <a:ext cx="6711654" cy="4195481"/>
+          </a:xfrm>
+        </p:spPr>
+        <p:txBody>
+          <a:bodyPr/>
+          <a:lstStyle/>
+          <a:p>
+            <a:r>
+              <a:rPr lang="es-ES" dirty="0" smtClean="0"/>
+              <a:t>A nivel usuario OSM es una tecnología que promete pero aun no es conocida por la gran parte de la sociedad.</a:t>
+            </a:r>
+          </a:p>
+          <a:p>
+            <a:pPr lvl="1"/>
+            <a:r>
+              <a:rPr lang="es-ES" dirty="0" smtClean="0"/>
+              <a:t>Tiene que perfilar algunas de sus funciones para dirigirse a un usuario de a pie</a:t>
+            </a:r>
+          </a:p>
+          <a:p>
+            <a:pPr lvl="1"/>
+            <a:r>
+              <a:rPr lang="es-ES" dirty="0" smtClean="0"/>
+              <a:t>Esta mas dirigida(a día de hoy) a los usuarios técnicos</a:t>
+            </a:r>
+          </a:p>
+        </p:txBody>
+      </p:sp>
+    </p:spTree>
+    <p:extLst>
+      <p:ext uri="{BB962C8B-B14F-4D97-AF65-F5344CB8AC3E}">
+        <p14:creationId xmlns:p14="http://schemas.microsoft.com/office/powerpoint/2010/main" val="3556243003"/>
+      </p:ext>
+    </p:extLst>
+  </p:cSld>
+  <p:clrMapOvr>
+    <a:masterClrMapping/>
+  </p:clrMapOvr>
+</p:sld>
+</file>
+
 <file path=ppt/slides/slide2.xml><?xml version="1.0" encoding="utf-8"?>
 <p:sld xmlns:a="http://schemas.openxmlformats.org/drawingml/2006/main" xmlns:r="http://schemas.openxmlformats.org/officeDocument/2006/relationships" xmlns:p="http://schemas.openxmlformats.org/presentationml/2006/main">
   <p:cSld>
@@ -10395,11 +10611,6 @@
               </a:rPr>
               <a:t> 9 a 11</a:t>
             </a:r>
-            <a:endParaRPr lang="es-ES" b="1" dirty="0" smtClean="0">
-              <a:solidFill>
-                <a:schemeClr val="tx1"/>
-              </a:solidFill>
-            </a:endParaRPr>
           </a:p>
           <a:p>
             <a:pPr>
@@ -10415,11 +10626,6 @@
               </a:rPr>
               <a:t>-Mozilla Firefox</a:t>
             </a:r>
-            <a:endParaRPr lang="es-ES" b="1" dirty="0" smtClean="0">
-              <a:solidFill>
-                <a:schemeClr val="tx1"/>
-              </a:solidFill>
-            </a:endParaRPr>
           </a:p>
           <a:p>
             <a:pPr>
@@ -10643,17 +10849,8 @@
             </a:pPr>
             <a:r>
               <a:rPr lang="es-ES" sz="2000" b="1" dirty="0" smtClean="0"/>
-              <a:t>No</a:t>
-            </a:r>
-            <a:r>
-              <a:rPr lang="es-ES" sz="2000" b="1" dirty="0" smtClean="0"/>
-              <a:t>			</a:t>
-            </a:r>
-            <a:r>
-              <a:rPr lang="es-ES" sz="2000" b="1" dirty="0" smtClean="0"/>
-              <a:t>No</a:t>
-            </a:r>
-            <a:endParaRPr lang="es-ES" sz="2000" b="1" dirty="0" smtClean="0"/>
+              <a:t>No			No</a:t>
+            </a:r>
           </a:p>
           <a:p>
             <a:pPr>
@@ -10663,17 +10860,8 @@
             </a:pPr>
             <a:r>
               <a:rPr lang="es-ES" sz="2000" b="1" dirty="0" smtClean="0"/>
-              <a:t>No</a:t>
-            </a:r>
-            <a:r>
-              <a:rPr lang="es-ES" sz="2000" b="1" dirty="0" smtClean="0"/>
-              <a:t>			</a:t>
-            </a:r>
-            <a:r>
-              <a:rPr lang="es-ES" sz="2000" b="1" dirty="0" smtClean="0"/>
-              <a:t>No</a:t>
-            </a:r>
-            <a:endParaRPr lang="es-ES" sz="2000" b="1" dirty="0" smtClean="0"/>
+              <a:t>No			No</a:t>
+            </a:r>
           </a:p>
           <a:p>
             <a:pPr>
@@ -10705,17 +10893,8 @@
             </a:pPr>
             <a:r>
               <a:rPr lang="es-ES" sz="2000" b="1" dirty="0" smtClean="0"/>
-              <a:t>Si</a:t>
-            </a:r>
-            <a:r>
-              <a:rPr lang="es-ES" sz="2000" b="1" dirty="0" smtClean="0"/>
-              <a:t>			</a:t>
-            </a:r>
-            <a:r>
-              <a:rPr lang="es-ES" sz="2000" b="1" dirty="0" smtClean="0"/>
-              <a:t>Si</a:t>
-            </a:r>
-            <a:endParaRPr lang="es-ES" sz="2000" b="1" dirty="0" smtClean="0"/>
+              <a:t>Si			Si</a:t>
+            </a:r>
           </a:p>
           <a:p>
             <a:pPr>
@@ -11278,7 +11457,7 @@
     </a:clrScheme>
     <a:fontScheme name="Ion">
       <a:majorFont>
-        <a:latin typeface="Century Gothic" panose="020B0502020202020204"/>
+        <a:latin typeface="Century Gothic"/>
         <a:ea typeface=""/>
         <a:cs typeface=""/>
         <a:font script="Jpan" typeface="メイリオ"/>
@@ -11313,7 +11492,7 @@
         <a:font script="Geor" typeface="Sylfaen"/>
       </a:majorFont>
       <a:minorFont>
-        <a:latin typeface="Century Gothic" panose="020B0502020202020204"/>
+        <a:latin typeface="Century Gothic"/>
         <a:ea typeface=""/>
         <a:cs typeface=""/>
         <a:font script="Jpan" typeface="メイリオ"/>
@@ -11495,7 +11674,7 @@
   <a:extraClrSchemeLst/>
   <a:extLst>
     <a:ext uri="{05A4C25C-085E-4340-85A3-A5531E510DB2}">
-      <thm15:themeFamily xmlns:thm15="http://schemas.microsoft.com/office/thememl/2012/main" name="Ion" id="{B8441ADB-2E43-4AF7-B97A-BD870242C6A8}" vid="{292E63A9-BB86-4E3D-B92A-7223C6510D2E}"/>
+      <thm15:themeFamily xmlns:thm15="http://schemas.microsoft.com/office/thememl/2012/main" xmlns="" name="Ion" id="{B8441ADB-2E43-4AF7-B97A-BD870242C6A8}" vid="{292E63A9-BB86-4E3D-B92A-7223C6510D2E}"/>
     </a:ext>
   </a:extLst>
 </a:theme>
@@ -11544,7 +11723,7 @@
     </a:clrScheme>
     <a:fontScheme name="Office">
       <a:majorFont>
-        <a:latin typeface="Calibri Light" panose="020F0302020204030204"/>
+        <a:latin typeface="Calibri Light"/>
         <a:ea typeface=""/>
         <a:cs typeface=""/>
         <a:font script="Jpan" typeface="ＭＳ Ｐゴシック"/>
@@ -11579,7 +11758,7 @@
         <a:font script="Geor" typeface="Sylfaen"/>
       </a:majorFont>
       <a:minorFont>
-        <a:latin typeface="Calibri" panose="020F0502020204030204"/>
+        <a:latin typeface="Calibri"/>
         <a:ea typeface=""/>
         <a:cs typeface=""/>
         <a:font script="Jpan" typeface="ＭＳ Ｐゴシック"/>
@@ -11756,7 +11935,7 @@
   <a:extraClrSchemeLst/>
   <a:extLst>
     <a:ext uri="{05A4C25C-085E-4340-85A3-A5531E510DB2}">
-      <thm15:themeFamily xmlns:thm15="http://schemas.microsoft.com/office/thememl/2012/main" name="Office Theme" id="{62F939B6-93AF-4DB8-9C6B-D6C7DFDC589F}" vid="{4A3C46E8-61CC-4603-A589-7422A47A8E4A}"/>
+      <thm15:themeFamily xmlns:thm15="http://schemas.microsoft.com/office/thememl/2012/main" xmlns="" name="Office Theme" id="{62F939B6-93AF-4DB8-9C6B-D6C7DFDC589F}" vid="{4A3C46E8-61CC-4603-A589-7422A47A8E4A}"/>
     </a:ext>
   </a:extLst>
 </a:theme>
